--- a/img/Informativität_Prädiktor.pptx
+++ b/img/Informativität_Prädiktor.pptx
@@ -108,6 +108,11 @@
       </a:defRPr>
     </a:lvl9pPr>
   </p:defaultTextStyle>
+  <p:extLst>
+    <p:ext uri="{EFAFB233-063F-42B5-8137-9DF3F51BA10A}">
+      <p15:sldGuideLst xmlns:p15="http://schemas.microsoft.com/office/powerpoint/2012/main"/>
+    </p:ext>
+  </p:extLst>
 </p:presentation>
 </file>
 
@@ -242,7 +247,7 @@
           <a:p>
             <a:fld id="{E0037C8F-A470-8C4C-9313-18CBF103109B}" type="datetimeFigureOut">
               <a:rPr lang="de-DE" smtClean="0"/>
-              <a:t>04.07.24</a:t>
+              <a:t>18.07.24</a:t>
             </a:fld>
             <a:endParaRPr lang="de-DE"/>
           </a:p>
@@ -412,7 +417,7 @@
           <a:p>
             <a:fld id="{E0037C8F-A470-8C4C-9313-18CBF103109B}" type="datetimeFigureOut">
               <a:rPr lang="de-DE" smtClean="0"/>
-              <a:t>04.07.24</a:t>
+              <a:t>18.07.24</a:t>
             </a:fld>
             <a:endParaRPr lang="de-DE"/>
           </a:p>
@@ -592,7 +597,7 @@
           <a:p>
             <a:fld id="{E0037C8F-A470-8C4C-9313-18CBF103109B}" type="datetimeFigureOut">
               <a:rPr lang="de-DE" smtClean="0"/>
-              <a:t>04.07.24</a:t>
+              <a:t>18.07.24</a:t>
             </a:fld>
             <a:endParaRPr lang="de-DE"/>
           </a:p>
@@ -762,7 +767,7 @@
           <a:p>
             <a:fld id="{E0037C8F-A470-8C4C-9313-18CBF103109B}" type="datetimeFigureOut">
               <a:rPr lang="de-DE" smtClean="0"/>
-              <a:t>04.07.24</a:t>
+              <a:t>18.07.24</a:t>
             </a:fld>
             <a:endParaRPr lang="de-DE"/>
           </a:p>
@@ -1008,7 +1013,7 @@
           <a:p>
             <a:fld id="{E0037C8F-A470-8C4C-9313-18CBF103109B}" type="datetimeFigureOut">
               <a:rPr lang="de-DE" smtClean="0"/>
-              <a:t>04.07.24</a:t>
+              <a:t>18.07.24</a:t>
             </a:fld>
             <a:endParaRPr lang="de-DE"/>
           </a:p>
@@ -1240,7 +1245,7 @@
           <a:p>
             <a:fld id="{E0037C8F-A470-8C4C-9313-18CBF103109B}" type="datetimeFigureOut">
               <a:rPr lang="de-DE" smtClean="0"/>
-              <a:t>04.07.24</a:t>
+              <a:t>18.07.24</a:t>
             </a:fld>
             <a:endParaRPr lang="de-DE"/>
           </a:p>
@@ -1607,7 +1612,7 @@
           <a:p>
             <a:fld id="{E0037C8F-A470-8C4C-9313-18CBF103109B}" type="datetimeFigureOut">
               <a:rPr lang="de-DE" smtClean="0"/>
-              <a:t>04.07.24</a:t>
+              <a:t>18.07.24</a:t>
             </a:fld>
             <a:endParaRPr lang="de-DE"/>
           </a:p>
@@ -1725,7 +1730,7 @@
           <a:p>
             <a:fld id="{E0037C8F-A470-8C4C-9313-18CBF103109B}" type="datetimeFigureOut">
               <a:rPr lang="de-DE" smtClean="0"/>
-              <a:t>04.07.24</a:t>
+              <a:t>18.07.24</a:t>
             </a:fld>
             <a:endParaRPr lang="de-DE"/>
           </a:p>
@@ -1820,7 +1825,7 @@
           <a:p>
             <a:fld id="{E0037C8F-A470-8C4C-9313-18CBF103109B}" type="datetimeFigureOut">
               <a:rPr lang="de-DE" smtClean="0"/>
-              <a:t>04.07.24</a:t>
+              <a:t>18.07.24</a:t>
             </a:fld>
             <a:endParaRPr lang="de-DE"/>
           </a:p>
@@ -2097,7 +2102,7 @@
           <a:p>
             <a:fld id="{E0037C8F-A470-8C4C-9313-18CBF103109B}" type="datetimeFigureOut">
               <a:rPr lang="de-DE" smtClean="0"/>
-              <a:t>04.07.24</a:t>
+              <a:t>18.07.24</a:t>
             </a:fld>
             <a:endParaRPr lang="de-DE"/>
           </a:p>
@@ -2354,7 +2359,7 @@
           <a:p>
             <a:fld id="{E0037C8F-A470-8C4C-9313-18CBF103109B}" type="datetimeFigureOut">
               <a:rPr lang="de-DE" smtClean="0"/>
-              <a:t>04.07.24</a:t>
+              <a:t>18.07.24</a:t>
             </a:fld>
             <a:endParaRPr lang="de-DE"/>
           </a:p>
@@ -2567,7 +2572,7 @@
           <a:p>
             <a:fld id="{E0037C8F-A470-8C4C-9313-18CBF103109B}" type="datetimeFigureOut">
               <a:rPr lang="de-DE" smtClean="0"/>
-              <a:t>04.07.24</a:t>
+              <a:t>18.07.24</a:t>
             </a:fld>
             <a:endParaRPr lang="de-DE"/>
           </a:p>
@@ -2956,7 +2961,7 @@
 </file>
 
 <file path=ppt/slides/slide1.xml><?xml version="1.0" encoding="utf-8"?>
-<p:sld xmlns:a="http://schemas.openxmlformats.org/drawingml/2006/main" xmlns:r="http://schemas.openxmlformats.org/officeDocument/2006/relationships" xmlns:p="http://schemas.openxmlformats.org/presentationml/2006/main">
+<p:sld xmlns:a="http://schemas.openxmlformats.org/drawingml/2006/main" xmlns:r="http://schemas.openxmlformats.org/officeDocument/2006/relationships" xmlns:p="http://schemas.openxmlformats.org/presentationml/2006/main" show="0">
   <p:cSld>
     <p:bg>
       <p:bgPr>
@@ -3051,7 +3056,7 @@
 </file>
 
 <file path=ppt/slides/slide2.xml><?xml version="1.0" encoding="utf-8"?>
-<p:sld xmlns:a="http://schemas.openxmlformats.org/drawingml/2006/main" xmlns:r="http://schemas.openxmlformats.org/officeDocument/2006/relationships" xmlns:p="http://schemas.openxmlformats.org/presentationml/2006/main">
+<p:sld xmlns:a="http://schemas.openxmlformats.org/drawingml/2006/main" xmlns:r="http://schemas.openxmlformats.org/officeDocument/2006/relationships" xmlns:p="http://schemas.openxmlformats.org/presentationml/2006/main" show="0">
   <p:cSld>
     <p:bg>
       <p:bgPr>
@@ -3249,7 +3254,7 @@
 </file>
 
 <file path=ppt/slides/slide3.xml><?xml version="1.0" encoding="utf-8"?>
-<p:sld xmlns:a="http://schemas.openxmlformats.org/drawingml/2006/main" xmlns:r="http://schemas.openxmlformats.org/officeDocument/2006/relationships" xmlns:p="http://schemas.openxmlformats.org/presentationml/2006/main">
+<p:sld xmlns:a="http://schemas.openxmlformats.org/drawingml/2006/main" xmlns:r="http://schemas.openxmlformats.org/officeDocument/2006/relationships" xmlns:p="http://schemas.openxmlformats.org/presentationml/2006/main" show="0">
   <p:cSld>
     <p:bg>
       <p:bgPr>
@@ -3549,7 +3554,7 @@
 </file>
 
 <file path=ppt/slides/slide4.xml><?xml version="1.0" encoding="utf-8"?>
-<p:sld xmlns:a="http://schemas.openxmlformats.org/drawingml/2006/main" xmlns:r="http://schemas.openxmlformats.org/officeDocument/2006/relationships" xmlns:p="http://schemas.openxmlformats.org/presentationml/2006/main">
+<p:sld xmlns:a="http://schemas.openxmlformats.org/drawingml/2006/main" xmlns:r="http://schemas.openxmlformats.org/officeDocument/2006/relationships" xmlns:p="http://schemas.openxmlformats.org/presentationml/2006/main" show="0">
   <p:cSld>
     <p:bg>
       <p:bgPr>
@@ -4048,7 +4053,7 @@
           <a:noFill/>
           <a:ln>
             <a:solidFill>
-              <a:srgbClr val="267326"/>
+              <a:schemeClr val="tx1"/>
             </a:solidFill>
           </a:ln>
         </p:spPr>
@@ -4074,10 +4079,10 @@
             <a:r>
               <a:rPr lang="de-DE" dirty="0">
                 <a:solidFill>
-                  <a:srgbClr val="267326"/>
+                  <a:schemeClr val="tx1"/>
                 </a:solidFill>
               </a:rPr>
-              <a:t>Informative statistische Präsentation</a:t>
+              <a:t>Als informativ wahrgenommene statistische Präsentation</a:t>
             </a:r>
           </a:p>
         </p:txBody>
@@ -4108,7 +4113,7 @@
           </a:prstGeom>
           <a:ln>
             <a:solidFill>
-              <a:srgbClr val="267326"/>
+              <a:schemeClr val="tx1"/>
             </a:solidFill>
             <a:tailEnd type="triangle"/>
           </a:ln>
@@ -4151,7 +4156,7 @@
           <a:noFill/>
           <a:ln>
             <a:solidFill>
-              <a:srgbClr val="267326"/>
+              <a:schemeClr val="tx1"/>
             </a:solidFill>
           </a:ln>
         </p:spPr>
@@ -4177,10 +4182,10 @@
             <a:r>
               <a:rPr lang="de-DE" dirty="0">
                 <a:solidFill>
-                  <a:srgbClr val="267326"/>
+                  <a:schemeClr val="tx1"/>
                 </a:solidFill>
               </a:rPr>
-              <a:t>Informative wissenschaftliche Evidenz</a:t>
+              <a:t>Als informativ wahrgenommene wissenschaftliche Evidenz</a:t>
             </a:r>
           </a:p>
         </p:txBody>
@@ -4210,7 +4215,7 @@
           </a:prstGeom>
           <a:ln>
             <a:solidFill>
-              <a:srgbClr val="267326"/>
+              <a:schemeClr val="tx1"/>
             </a:solidFill>
             <a:tailEnd type="triangle"/>
           </a:ln>
@@ -4253,7 +4258,7 @@
           <a:noFill/>
           <a:ln>
             <a:solidFill>
-              <a:srgbClr val="267326"/>
+              <a:schemeClr val="tx1"/>
             </a:solidFill>
           </a:ln>
         </p:spPr>
@@ -4279,7 +4284,7 @@
             <a:r>
               <a:rPr lang="de-DE" dirty="0">
                 <a:solidFill>
-                  <a:srgbClr val="267326"/>
+                  <a:schemeClr val="tx1"/>
                 </a:solidFill>
               </a:rPr>
               <a:t>Handlungsintention</a:t>
@@ -4311,7 +4316,7 @@
           </a:prstGeom>
           <a:ln>
             <a:solidFill>
-              <a:srgbClr val="267326"/>
+              <a:schemeClr val="tx1"/>
             </a:solidFill>
             <a:tailEnd type="triangle"/>
           </a:ln>
@@ -4354,7 +4359,7 @@
           <a:noFill/>
           <a:ln>
             <a:solidFill>
-              <a:srgbClr val="267326"/>
+              <a:schemeClr val="tx1"/>
             </a:solidFill>
           </a:ln>
         </p:spPr>
@@ -4380,7 +4385,7 @@
             <a:r>
               <a:rPr lang="de-DE" dirty="0">
                 <a:solidFill>
-                  <a:srgbClr val="267326"/>
+                  <a:schemeClr val="tx1"/>
                 </a:solidFill>
               </a:rPr>
               <a:t>Handlung</a:t>
@@ -4414,7 +4419,7 @@
           </a:prstGeom>
           <a:ln w="19050" cap="flat" cmpd="sng" algn="ctr">
             <a:solidFill>
-              <a:srgbClr val="267326"/>
+              <a:schemeClr val="tx1"/>
             </a:solidFill>
             <a:prstDash val="dash"/>
             <a:round/>
@@ -4460,7 +4465,7 @@
           <a:noFill/>
           <a:ln>
             <a:solidFill>
-              <a:srgbClr val="267326"/>
+              <a:schemeClr val="tx1"/>
             </a:solidFill>
           </a:ln>
         </p:spPr>
@@ -4486,7 +4491,7 @@
             <a:r>
               <a:rPr lang="de-DE" dirty="0">
                 <a:solidFill>
-                  <a:srgbClr val="267326"/>
+                  <a:schemeClr val="tx1"/>
                 </a:solidFill>
               </a:rPr>
               <a:t>Praktischer Nutzen</a:t>
@@ -4519,7 +4524,7 @@
           </a:prstGeom>
           <a:ln>
             <a:solidFill>
-              <a:srgbClr val="267326"/>
+              <a:schemeClr val="tx1"/>
             </a:solidFill>
             <a:prstDash val="dash"/>
             <a:tailEnd type="triangle"/>
